--- a/data/genomic selection.pptx
+++ b/data/genomic selection.pptx
@@ -5,12 +5,15 @@
     <p:sldMasterId id="2147483648" r:id="rId1"/>
   </p:sldMasterIdLst>
   <p:sldIdLst>
-    <p:sldId id="256" r:id="rId2"/>
-    <p:sldId id="257" r:id="rId3"/>
-    <p:sldId id="258" r:id="rId4"/>
-    <p:sldId id="259" r:id="rId5"/>
-    <p:sldId id="260" r:id="rId6"/>
-    <p:sldId id="261" r:id="rId7"/>
+    <p:sldId id="264" r:id="rId2"/>
+    <p:sldId id="256" r:id="rId3"/>
+    <p:sldId id="257" r:id="rId4"/>
+    <p:sldId id="258" r:id="rId5"/>
+    <p:sldId id="259" r:id="rId6"/>
+    <p:sldId id="260" r:id="rId7"/>
+    <p:sldId id="261" r:id="rId8"/>
+    <p:sldId id="263" r:id="rId9"/>
+    <p:sldId id="262" r:id="rId10"/>
   </p:sldIdLst>
   <p:sldSz cx="12192000" cy="6858000"/>
   <p:notesSz cx="6858000" cy="9144000"/>
@@ -109,6 +112,11 @@
       </a:defRPr>
     </a:lvl9pPr>
   </p:defaultTextStyle>
+  <p:extLst>
+    <p:ext uri="{EFAFB233-063F-42B5-8137-9DF3F51BA10A}">
+      <p15:sldGuideLst xmlns:p15="http://schemas.microsoft.com/office/powerpoint/2012/main"/>
+    </p:ext>
+  </p:extLst>
 </p:presentation>
 </file>
 
@@ -122,20 +130,6 @@
     </p:extLst>
   </p:cmAuthor>
 </p:cmAuthorLst>
-</file>
-
-<file path=ppt/comments/comment1.xml><?xml version="1.0" encoding="utf-8"?>
-<p:cmLst xmlns:a="http://schemas.openxmlformats.org/drawingml/2006/main" xmlns:r="http://schemas.openxmlformats.org/officeDocument/2006/relationships" xmlns:p="http://schemas.openxmlformats.org/presentationml/2006/main">
-  <p:cm authorId="1" dt="2022-11-17T11:51:36.303" idx="1">
-    <p:pos x="10" y="10"/>
-    <p:text/>
-    <p:extLst>
-      <p:ext uri="{C676402C-5697-4E1C-873F-D02D1690AC5C}">
-        <p15:threadingInfo xmlns:p15="http://schemas.microsoft.com/office/powerpoint/2012/main" timeZoneBias="180"/>
-      </p:ext>
-    </p:extLst>
-  </p:cm>
-</p:cmLst>
 </file>
 
 <file path=ppt/slideLayouts/slideLayout1.xml><?xml version="1.0" encoding="utf-8"?>
@@ -3352,6 +3346,108 @@
           <a:chExt cx="0" cy="0"/>
         </a:xfrm>
       </p:grpSpPr>
+      <p:sp>
+        <p:nvSpPr>
+          <p:cNvPr id="2" name="Título 1">
+            <a:extLst>
+              <a:ext uri="{FF2B5EF4-FFF2-40B4-BE49-F238E27FC236}">
+                <a16:creationId xmlns:a16="http://schemas.microsoft.com/office/drawing/2014/main" id="{E8774B92-A2EE-B68B-C657-763DAB30B852}"/>
+              </a:ext>
+            </a:extLst>
+          </p:cNvPr>
+          <p:cNvSpPr>
+            <a:spLocks noGrp="1"/>
+          </p:cNvSpPr>
+          <p:nvPr>
+            <p:ph type="ctrTitle"/>
+          </p:nvPr>
+        </p:nvSpPr>
+        <p:spPr/>
+        <p:txBody>
+          <a:bodyPr>
+            <a:normAutofit fontScale="90000"/>
+          </a:bodyPr>
+          <a:lstStyle/>
+          <a:p>
+            <a:r>
+              <a:rPr lang="en-US" b="0" i="0" dirty="0">
+                <a:solidFill>
+                  <a:srgbClr val="2C3E50"/>
+                </a:solidFill>
+                <a:effectLst/>
+                <a:latin typeface="Lato" panose="020F0502020204030203" pitchFamily="34" charset="0"/>
+              </a:rPr>
+              <a:t>Genomic Selection for Drought Tolerance Using Genome-Wide </a:t>
+            </a:r>
+            <a:r>
+              <a:rPr lang="pt-BR" b="0" i="0" dirty="0">
+                <a:solidFill>
+                  <a:srgbClr val="2C3E50"/>
+                </a:solidFill>
+                <a:effectLst/>
+                <a:latin typeface="Lato" panose="020F0502020204030203" pitchFamily="34" charset="0"/>
+              </a:rPr>
+              <a:t>in Cassava </a:t>
+            </a:r>
+            <a:endParaRPr lang="pt-BR" dirty="0"/>
+          </a:p>
+        </p:txBody>
+      </p:sp>
+      <p:sp>
+        <p:nvSpPr>
+          <p:cNvPr id="3" name="Subtítulo 2">
+            <a:extLst>
+              <a:ext uri="{FF2B5EF4-FFF2-40B4-BE49-F238E27FC236}">
+                <a16:creationId xmlns:a16="http://schemas.microsoft.com/office/drawing/2014/main" id="{672310DA-34A9-7F0A-5789-9D1071F03262}"/>
+              </a:ext>
+            </a:extLst>
+          </p:cNvPr>
+          <p:cNvSpPr>
+            <a:spLocks noGrp="1"/>
+          </p:cNvSpPr>
+          <p:nvPr>
+            <p:ph type="subTitle" idx="1"/>
+          </p:nvPr>
+        </p:nvSpPr>
+        <p:spPr/>
+        <p:txBody>
+          <a:bodyPr/>
+          <a:lstStyle/>
+          <a:p>
+            <a:endParaRPr lang="pt-BR"/>
+          </a:p>
+        </p:txBody>
+      </p:sp>
+    </p:spTree>
+    <p:extLst>
+      <p:ext uri="{BB962C8B-B14F-4D97-AF65-F5344CB8AC3E}">
+        <p14:creationId xmlns:p14="http://schemas.microsoft.com/office/powerpoint/2010/main" val="3039813219"/>
+      </p:ext>
+    </p:extLst>
+  </p:cSld>
+  <p:clrMapOvr>
+    <a:masterClrMapping/>
+  </p:clrMapOvr>
+</p:sld>
+</file>
+
+<file path=ppt/slides/slide2.xml><?xml version="1.0" encoding="utf-8"?>
+<p:sld xmlns:a="http://schemas.openxmlformats.org/drawingml/2006/main" xmlns:r="http://schemas.openxmlformats.org/officeDocument/2006/relationships" xmlns:p="http://schemas.openxmlformats.org/presentationml/2006/main">
+  <p:cSld>
+    <p:spTree>
+      <p:nvGrpSpPr>
+        <p:cNvPr id="1" name=""/>
+        <p:cNvGrpSpPr/>
+        <p:nvPr/>
+      </p:nvGrpSpPr>
+      <p:grpSpPr>
+        <a:xfrm>
+          <a:off x="0" y="0"/>
+          <a:ext cx="0" cy="0"/>
+          <a:chOff x="0" y="0"/>
+          <a:chExt cx="0" cy="0"/>
+        </a:xfrm>
+      </p:grpSpPr>
       <p:pic>
         <p:nvPicPr>
           <p:cNvPr id="5" name="Imagem 4">
@@ -3397,7 +3493,7 @@
         <p:spPr>
           <a:xfrm>
             <a:off x="331305" y="329720"/>
-            <a:ext cx="4764318" cy="369332"/>
+            <a:ext cx="4867743" cy="369332"/>
           </a:xfrm>
           <a:prstGeom prst="rect">
             <a:avLst/>
@@ -3411,8 +3507,12 @@
           <a:lstStyle/>
           <a:p>
             <a:r>
-              <a:rPr lang="pt-BR" dirty="0"/>
-              <a:t>Tale 1 – </a:t>
+              <a:rPr lang="pt-BR" dirty="0" err="1"/>
+              <a:t>Table</a:t>
+            </a:r>
+            <a:r>
+              <a:rPr lang="pt-BR" dirty="0"/>
+              <a:t> 1 – </a:t>
             </a:r>
             <a:r>
               <a:rPr lang="pt-BR" dirty="0" err="1"/>
@@ -3615,7 +3715,7 @@
 </p:sld>
 </file>
 
-<file path=ppt/slides/slide2.xml><?xml version="1.0" encoding="utf-8"?>
+<file path=ppt/slides/slide3.xml><?xml version="1.0" encoding="utf-8"?>
 <p:sld xmlns:a="http://schemas.openxmlformats.org/drawingml/2006/main" xmlns:r="http://schemas.openxmlformats.org/officeDocument/2006/relationships" xmlns:p="http://schemas.openxmlformats.org/presentationml/2006/main">
   <p:cSld>
     <p:spTree>
@@ -4034,7 +4134,7 @@
 </p:sld>
 </file>
 
-<file path=ppt/slides/slide3.xml><?xml version="1.0" encoding="utf-8"?>
+<file path=ppt/slides/slide4.xml><?xml version="1.0" encoding="utf-8"?>
 <p:sld xmlns:a="http://schemas.openxmlformats.org/drawingml/2006/main" xmlns:r="http://schemas.openxmlformats.org/officeDocument/2006/relationships" xmlns:p="http://schemas.openxmlformats.org/presentationml/2006/main">
   <p:cSld>
     <p:spTree>
@@ -4073,7 +4173,7 @@
         </p:blipFill>
         <p:spPr>
           <a:xfrm>
-            <a:off x="1444487" y="941617"/>
+            <a:off x="1749287" y="994625"/>
             <a:ext cx="8327335" cy="5529171"/>
           </a:xfrm>
           <a:prstGeom prst="rect">
@@ -4225,7 +4325,7 @@
 </p:sld>
 </file>
 
-<file path=ppt/slides/slide4.xml><?xml version="1.0" encoding="utf-8"?>
+<file path=ppt/slides/slide5.xml><?xml version="1.0" encoding="utf-8"?>
 <p:sld xmlns:a="http://schemas.openxmlformats.org/drawingml/2006/main" xmlns:r="http://schemas.openxmlformats.org/officeDocument/2006/relationships" xmlns:p="http://schemas.openxmlformats.org/presentationml/2006/main">
   <p:cSld>
     <p:spTree>
@@ -4376,7 +4476,7 @@
 </p:sld>
 </file>
 
-<file path=ppt/slides/slide5.xml><?xml version="1.0" encoding="utf-8"?>
+<file path=ppt/slides/slide6.xml><?xml version="1.0" encoding="utf-8"?>
 <p:sld xmlns:a="http://schemas.openxmlformats.org/drawingml/2006/main" xmlns:r="http://schemas.openxmlformats.org/officeDocument/2006/relationships" xmlns:p="http://schemas.openxmlformats.org/presentationml/2006/main">
   <p:cSld>
     <p:spTree>
@@ -4551,7 +4651,122 @@
 </p:sld>
 </file>
 
-<file path=ppt/slides/slide6.xml><?xml version="1.0" encoding="utf-8"?>
+<file path=ppt/slides/slide7.xml><?xml version="1.0" encoding="utf-8"?>
+<p:sld xmlns:a="http://schemas.openxmlformats.org/drawingml/2006/main" xmlns:r="http://schemas.openxmlformats.org/officeDocument/2006/relationships" xmlns:p="http://schemas.openxmlformats.org/presentationml/2006/main">
+  <p:cSld>
+    <p:spTree>
+      <p:nvGrpSpPr>
+        <p:cNvPr id="1" name=""/>
+        <p:cNvGrpSpPr/>
+        <p:nvPr/>
+      </p:nvGrpSpPr>
+      <p:grpSpPr>
+        <a:xfrm>
+          <a:off x="0" y="0"/>
+          <a:ext cx="0" cy="0"/>
+          <a:chOff x="0" y="0"/>
+          <a:chExt cx="0" cy="0"/>
+        </a:xfrm>
+      </p:grpSpPr>
+      <p:sp>
+        <p:nvSpPr>
+          <p:cNvPr id="4" name="CaixaDeTexto 3">
+            <a:extLst>
+              <a:ext uri="{FF2B5EF4-FFF2-40B4-BE49-F238E27FC236}">
+                <a16:creationId xmlns:a16="http://schemas.microsoft.com/office/drawing/2014/main" id="{C41766E7-D4BA-9F1D-57D2-32764FEBE327}"/>
+              </a:ext>
+            </a:extLst>
+          </p:cNvPr>
+          <p:cNvSpPr txBox="1"/>
+          <p:nvPr/>
+        </p:nvSpPr>
+        <p:spPr>
+          <a:xfrm>
+            <a:off x="1683026" y="114621"/>
+            <a:ext cx="9574695" cy="646331"/>
+          </a:xfrm>
+          <a:prstGeom prst="rect">
+            <a:avLst/>
+          </a:prstGeom>
+          <a:noFill/>
+        </p:spPr>
+        <p:txBody>
+          <a:bodyPr wrap="square" rtlCol="0">
+            <a:spAutoFit/>
+          </a:bodyPr>
+          <a:lstStyle/>
+          <a:p>
+            <a:r>
+              <a:rPr lang="pt-BR" dirty="0"/>
+              <a:t>Figure 5 – </a:t>
+            </a:r>
+            <a:r>
+              <a:rPr lang="en-US" dirty="0">
+                <a:solidFill>
+                  <a:srgbClr val="2C3E50"/>
+                </a:solidFill>
+                <a:latin typeface="Lato" panose="020F0502020204030203" pitchFamily="34" charset="0"/>
+              </a:rPr>
+              <a:t>P</a:t>
+            </a:r>
+            <a:r>
+              <a:rPr lang="en-US" b="0" i="0" dirty="0">
+                <a:solidFill>
+                  <a:srgbClr val="2C3E50"/>
+                </a:solidFill>
+                <a:effectLst/>
+                <a:latin typeface="Lato" panose="020F0502020204030203" pitchFamily="34" charset="0"/>
+              </a:rPr>
+              <a:t>rediction accuracy (correlation between the GEBV and BLUPs) using cross-validation for traits evaluated  </a:t>
+            </a:r>
+            <a:endParaRPr lang="pt-BR" dirty="0"/>
+          </a:p>
+        </p:txBody>
+      </p:sp>
+      <p:pic>
+        <p:nvPicPr>
+          <p:cNvPr id="5" name="Imagem 4">
+            <a:extLst>
+              <a:ext uri="{FF2B5EF4-FFF2-40B4-BE49-F238E27FC236}">
+                <a16:creationId xmlns:a16="http://schemas.microsoft.com/office/drawing/2014/main" id="{12031B28-22B6-93EE-2F54-666B79E72B5C}"/>
+              </a:ext>
+            </a:extLst>
+          </p:cNvPr>
+          <p:cNvPicPr>
+            <a:picLocks noChangeAspect="1"/>
+          </p:cNvPicPr>
+          <p:nvPr/>
+        </p:nvPicPr>
+        <p:blipFill>
+          <a:blip r:embed="rId2"/>
+          <a:stretch>
+            <a:fillRect/>
+          </a:stretch>
+        </p:blipFill>
+        <p:spPr>
+          <a:xfrm>
+            <a:off x="1523170" y="1126202"/>
+            <a:ext cx="8952671" cy="5511066"/>
+          </a:xfrm>
+          <a:prstGeom prst="rect">
+            <a:avLst/>
+          </a:prstGeom>
+        </p:spPr>
+      </p:pic>
+    </p:spTree>
+    <p:extLst>
+      <p:ext uri="{BB962C8B-B14F-4D97-AF65-F5344CB8AC3E}">
+        <p14:creationId xmlns:p14="http://schemas.microsoft.com/office/powerpoint/2010/main" val="4211318461"/>
+      </p:ext>
+    </p:extLst>
+  </p:cSld>
+  <p:clrMapOvr>
+    <a:masterClrMapping/>
+  </p:clrMapOvr>
+</p:sld>
+</file>
+
+<file path=ppt/slides/slide8.xml><?xml version="1.0" encoding="utf-8"?>
 <p:sld xmlns:a="http://schemas.openxmlformats.org/drawingml/2006/main" xmlns:r="http://schemas.openxmlformats.org/officeDocument/2006/relationships" xmlns:p="http://schemas.openxmlformats.org/presentationml/2006/main">
   <p:cSld>
     <p:spTree>
@@ -4573,7 +4788,7 @@
           <p:cNvPr id="3" name="Imagem 2">
             <a:extLst>
               <a:ext uri="{FF2B5EF4-FFF2-40B4-BE49-F238E27FC236}">
-                <a16:creationId xmlns:a16="http://schemas.microsoft.com/office/drawing/2014/main" id="{69C7CB72-0C86-B221-2499-EAD290FD7B25}"/>
+                <a16:creationId xmlns:a16="http://schemas.microsoft.com/office/drawing/2014/main" id="{8ADA82AB-00A2-31EF-B7A0-BA4C58A511FF}"/>
               </a:ext>
             </a:extLst>
           </p:cNvPr>
@@ -4590,8 +4805,8 @@
         </p:blipFill>
         <p:spPr>
           <a:xfrm>
-            <a:off x="1364974" y="599391"/>
-            <a:ext cx="9833113" cy="6258609"/>
+            <a:off x="1139687" y="667309"/>
+            <a:ext cx="9912625" cy="6190691"/>
           </a:xfrm>
           <a:prstGeom prst="rect">
             <a:avLst/>
@@ -4603,7 +4818,7 @@
           <p:cNvPr id="4" name="CaixaDeTexto 3">
             <a:extLst>
               <a:ext uri="{FF2B5EF4-FFF2-40B4-BE49-F238E27FC236}">
-                <a16:creationId xmlns:a16="http://schemas.microsoft.com/office/drawing/2014/main" id="{C41766E7-D4BA-9F1D-57D2-32764FEBE327}"/>
+                <a16:creationId xmlns:a16="http://schemas.microsoft.com/office/drawing/2014/main" id="{64E0FB71-31F6-21C9-7DF1-7C4921DA4211}"/>
               </a:ext>
             </a:extLst>
           </p:cNvPr>
@@ -4628,7 +4843,204 @@
           <a:p>
             <a:r>
               <a:rPr lang="pt-BR" dirty="0"/>
-              <a:t>Figure 5 – </a:t>
+              <a:t>Figure 6 – </a:t>
+            </a:r>
+            <a:r>
+              <a:rPr lang="pt-BR" dirty="0" err="1"/>
+              <a:t>Boxplot</a:t>
+            </a:r>
+            <a:r>
+              <a:rPr lang="pt-BR" dirty="0"/>
+              <a:t> </a:t>
+            </a:r>
+            <a:r>
+              <a:rPr lang="pt-BR" dirty="0" err="1"/>
+              <a:t>of</a:t>
+            </a:r>
+            <a:r>
+              <a:rPr lang="pt-BR" dirty="0"/>
+              <a:t> </a:t>
+            </a:r>
+            <a:r>
+              <a:rPr lang="pt-BR" dirty="0" err="1"/>
+              <a:t>the</a:t>
+            </a:r>
+            <a:r>
+              <a:rPr lang="pt-BR" dirty="0"/>
+              <a:t> </a:t>
+            </a:r>
+            <a:r>
+              <a:rPr lang="pt-BR" dirty="0" err="1"/>
+              <a:t>BLUPs</a:t>
+            </a:r>
+            <a:r>
+              <a:rPr lang="pt-BR" dirty="0"/>
+              <a:t> </a:t>
+            </a:r>
+            <a:r>
+              <a:rPr lang="pt-BR" dirty="0" err="1"/>
+              <a:t>by</a:t>
+            </a:r>
+            <a:r>
+              <a:rPr lang="pt-BR" dirty="0"/>
+              <a:t> </a:t>
+            </a:r>
+            <a:r>
+              <a:rPr lang="pt-BR" dirty="0" err="1"/>
+              <a:t>mixed</a:t>
+            </a:r>
+            <a:r>
+              <a:rPr lang="pt-BR" dirty="0"/>
+              <a:t> models </a:t>
+            </a:r>
+            <a:r>
+              <a:rPr lang="pt-BR" dirty="0" err="1"/>
+              <a:t>added</a:t>
+            </a:r>
+            <a:r>
+              <a:rPr lang="pt-BR" dirty="0"/>
+              <a:t> </a:t>
+            </a:r>
+            <a:r>
+              <a:rPr lang="pt-BR" dirty="0" err="1"/>
+              <a:t>to</a:t>
+            </a:r>
+            <a:r>
+              <a:rPr lang="pt-BR" dirty="0"/>
+              <a:t> </a:t>
+            </a:r>
+            <a:r>
+              <a:rPr lang="pt-BR" dirty="0" err="1"/>
+              <a:t>phenotypic</a:t>
+            </a:r>
+            <a:r>
+              <a:rPr lang="pt-BR" dirty="0"/>
+              <a:t> means for traits </a:t>
+            </a:r>
+            <a:r>
+              <a:rPr lang="pt-BR" dirty="0" err="1"/>
+              <a:t>evalueted</a:t>
+            </a:r>
+            <a:r>
+              <a:rPr lang="pt-BR" dirty="0"/>
+              <a:t> </a:t>
+            </a:r>
+            <a:r>
+              <a:rPr lang="pt-BR" dirty="0" err="1"/>
+              <a:t>by</a:t>
+            </a:r>
+            <a:r>
+              <a:rPr lang="pt-BR" dirty="0"/>
+              <a:t> </a:t>
+            </a:r>
+            <a:r>
+              <a:rPr lang="pt-BR" dirty="0" err="1"/>
+              <a:t>year</a:t>
+            </a:r>
+            <a:r>
+              <a:rPr lang="pt-BR" dirty="0"/>
+              <a:t>.</a:t>
+            </a:r>
+          </a:p>
+        </p:txBody>
+      </p:sp>
+    </p:spTree>
+    <p:extLst>
+      <p:ext uri="{BB962C8B-B14F-4D97-AF65-F5344CB8AC3E}">
+        <p14:creationId xmlns:p14="http://schemas.microsoft.com/office/powerpoint/2010/main" val="1019088760"/>
+      </p:ext>
+    </p:extLst>
+  </p:cSld>
+  <p:clrMapOvr>
+    <a:masterClrMapping/>
+  </p:clrMapOvr>
+</p:sld>
+</file>
+
+<file path=ppt/slides/slide9.xml><?xml version="1.0" encoding="utf-8"?>
+<p:sld xmlns:a="http://schemas.openxmlformats.org/drawingml/2006/main" xmlns:r="http://schemas.openxmlformats.org/officeDocument/2006/relationships" xmlns:p="http://schemas.openxmlformats.org/presentationml/2006/main">
+  <p:cSld>
+    <p:spTree>
+      <p:nvGrpSpPr>
+        <p:cNvPr id="1" name=""/>
+        <p:cNvGrpSpPr/>
+        <p:nvPr/>
+      </p:nvGrpSpPr>
+      <p:grpSpPr>
+        <a:xfrm>
+          <a:off x="0" y="0"/>
+          <a:ext cx="0" cy="0"/>
+          <a:chOff x="0" y="0"/>
+          <a:chExt cx="0" cy="0"/>
+        </a:xfrm>
+      </p:grpSpPr>
+      <p:pic>
+        <p:nvPicPr>
+          <p:cNvPr id="3" name="Imagem 2">
+            <a:extLst>
+              <a:ext uri="{FF2B5EF4-FFF2-40B4-BE49-F238E27FC236}">
+                <a16:creationId xmlns:a16="http://schemas.microsoft.com/office/drawing/2014/main" id="{9C5911DE-BC7B-9CEB-68D4-48DBFCD40501}"/>
+              </a:ext>
+            </a:extLst>
+          </p:cNvPr>
+          <p:cNvPicPr>
+            <a:picLocks noChangeAspect="1"/>
+          </p:cNvPicPr>
+          <p:nvPr/>
+        </p:nvPicPr>
+        <p:blipFill>
+          <a:blip r:embed="rId2">
+            <a:extLst>
+              <a:ext uri="{28A0092B-C50C-407E-A947-70E740481C1C}">
+                <a14:useLocalDpi xmlns:a14="http://schemas.microsoft.com/office/drawing/2010/main" val="0"/>
+              </a:ext>
+            </a:extLst>
+          </a:blip>
+          <a:stretch>
+            <a:fillRect/>
+          </a:stretch>
+        </p:blipFill>
+        <p:spPr>
+          <a:xfrm>
+            <a:off x="66675" y="495300"/>
+            <a:ext cx="12058650" cy="5867400"/>
+          </a:xfrm>
+          <a:prstGeom prst="rect">
+            <a:avLst/>
+          </a:prstGeom>
+        </p:spPr>
+      </p:pic>
+      <p:sp>
+        <p:nvSpPr>
+          <p:cNvPr id="4" name="CaixaDeTexto 3">
+            <a:extLst>
+              <a:ext uri="{FF2B5EF4-FFF2-40B4-BE49-F238E27FC236}">
+                <a16:creationId xmlns:a16="http://schemas.microsoft.com/office/drawing/2014/main" id="{16B85BDC-A037-0259-65C0-05D1EC27F0BA}"/>
+              </a:ext>
+            </a:extLst>
+          </p:cNvPr>
+          <p:cNvSpPr txBox="1"/>
+          <p:nvPr/>
+        </p:nvSpPr>
+        <p:spPr>
+          <a:xfrm>
+            <a:off x="-119270" y="114621"/>
+            <a:ext cx="12788348" cy="369332"/>
+          </a:xfrm>
+          <a:prstGeom prst="rect">
+            <a:avLst/>
+          </a:prstGeom>
+          <a:noFill/>
+        </p:spPr>
+        <p:txBody>
+          <a:bodyPr wrap="square" rtlCol="0">
+            <a:spAutoFit/>
+          </a:bodyPr>
+          <a:lstStyle/>
+          <a:p>
+            <a:r>
+              <a:rPr lang="pt-BR" dirty="0"/>
+              <a:t>Figure 7 – </a:t>
             </a:r>
             <a:r>
               <a:rPr lang="en-US" dirty="0">
@@ -4647,7 +5059,7 @@
                 <a:effectLst/>
                 <a:latin typeface="Lato" panose="020F0502020204030203" pitchFamily="34" charset="0"/>
               </a:rPr>
-              <a:t>rediction accuracy (correlation between the GEBV and BLUPs) using cross-validation for traits evaluated  </a:t>
+              <a:t>rediction accuracy (correlation between the GEBV and BLUPs) using cross-validation for traits evaluated by year </a:t>
             </a:r>
             <a:endParaRPr lang="pt-BR" dirty="0"/>
           </a:p>
@@ -4656,7 +5068,7 @@
     </p:spTree>
     <p:extLst>
       <p:ext uri="{BB962C8B-B14F-4D97-AF65-F5344CB8AC3E}">
-        <p14:creationId xmlns:p14="http://schemas.microsoft.com/office/powerpoint/2010/main" val="4211318461"/>
+        <p14:creationId xmlns:p14="http://schemas.microsoft.com/office/powerpoint/2010/main" val="41500509"/>
       </p:ext>
     </p:extLst>
   </p:cSld>
